--- a/Advanced_Training/hmm_project/Presentation.pptx
+++ b/Advanced_Training/hmm_project/Presentation.pptx
@@ -224,7 +224,7 @@
           <a:p>
             <a:fld id="{3406A0B5-E7F8-46EE-AA11-7966458267F2}" type="datetimeFigureOut">
               <a:rPr lang="en-US" smtClean="0"/>
-              <a:t>4/29/2024</a:t>
+              <a:t>4/30/2024</a:t>
             </a:fld>
             <a:endParaRPr lang="en-US"/>
           </a:p>
@@ -4935,13 +4935,13 @@
   <p:clrMapOvr>
     <a:overrideClrMapping bg1="dk1" tx1="lt1" bg2="dk2" tx2="lt2" accent1="accent1" accent2="accent2" accent3="accent3" accent4="accent4" accent5="accent5" accent6="accent6" hlink="hlink" folHlink="folHlink"/>
   </p:clrMapOvr>
-  <mc:AlternateContent xmlns:mc="http://schemas.openxmlformats.org/markup-compatibility/2006">
-    <mc:Choice xmlns:p159="http://schemas.microsoft.com/office/powerpoint/2015/09/main" Requires="p159">
+  <mc:AlternateContent xmlns:mc="http://schemas.openxmlformats.org/markup-compatibility/2006" xmlns:p159="http://schemas.microsoft.com/office/powerpoint/2015/09/main">
+    <mc:Choice Requires="p159">
       <p:transition xmlns:p14="http://schemas.microsoft.com/office/powerpoint/2010/main" spd="med" p14:dur="700">
         <p159:morph option="byObject"/>
       </p:transition>
     </mc:Choice>
-    <mc:Fallback>
+    <mc:Fallback xmlns="">
       <p:transition spd="med">
         <p:fade/>
       </p:transition>
@@ -5379,13 +5379,13 @@
   <p:clrMapOvr>
     <a:masterClrMapping/>
   </p:clrMapOvr>
-  <mc:AlternateContent xmlns:mc="http://schemas.openxmlformats.org/markup-compatibility/2006">
-    <mc:Choice xmlns:p159="http://schemas.microsoft.com/office/powerpoint/2015/09/main" Requires="p159">
+  <mc:AlternateContent xmlns:mc="http://schemas.openxmlformats.org/markup-compatibility/2006" xmlns:p159="http://schemas.microsoft.com/office/powerpoint/2015/09/main">
+    <mc:Choice Requires="p159">
       <p:transition xmlns:p14="http://schemas.microsoft.com/office/powerpoint/2010/main" spd="med" p14:dur="700">
         <p159:morph option="byObject"/>
       </p:transition>
     </mc:Choice>
-    <mc:Fallback>
+    <mc:Fallback xmlns="">
       <p:transition spd="med">
         <p:fade/>
       </p:transition>
@@ -5565,13 +5565,13 @@
   <p:clrMapOvr>
     <a:masterClrMapping/>
   </p:clrMapOvr>
-  <mc:AlternateContent xmlns:mc="http://schemas.openxmlformats.org/markup-compatibility/2006">
-    <mc:Choice xmlns:p159="http://schemas.microsoft.com/office/powerpoint/2015/09/main" Requires="p159">
+  <mc:AlternateContent xmlns:mc="http://schemas.openxmlformats.org/markup-compatibility/2006" xmlns:p159="http://schemas.microsoft.com/office/powerpoint/2015/09/main">
+    <mc:Choice Requires="p159">
       <p:transition xmlns:p14="http://schemas.microsoft.com/office/powerpoint/2010/main" spd="med" p14:dur="700">
         <p159:morph option="byObject"/>
       </p:transition>
     </mc:Choice>
-    <mc:Fallback>
+    <mc:Fallback xmlns="">
       <p:transition spd="med">
         <p:fade/>
       </p:transition>
@@ -6494,13 +6494,13 @@
   <p:clrMapOvr>
     <a:masterClrMapping/>
   </p:clrMapOvr>
-  <mc:AlternateContent xmlns:mc="http://schemas.openxmlformats.org/markup-compatibility/2006">
-    <mc:Choice xmlns:p159="http://schemas.microsoft.com/office/powerpoint/2015/09/main" Requires="p159">
+  <mc:AlternateContent xmlns:mc="http://schemas.openxmlformats.org/markup-compatibility/2006" xmlns:p159="http://schemas.microsoft.com/office/powerpoint/2015/09/main">
+    <mc:Choice Requires="p159">
       <p:transition xmlns:p14="http://schemas.microsoft.com/office/powerpoint/2010/main" spd="med" p14:dur="700">
         <p159:morph option="byObject"/>
       </p:transition>
     </mc:Choice>
-    <mc:Fallback>
+    <mc:Fallback xmlns="">
       <p:transition spd="med">
         <p:fade/>
       </p:transition>
@@ -7095,13 +7095,13 @@
   <p:clrMapOvr>
     <a:masterClrMapping/>
   </p:clrMapOvr>
-  <mc:AlternateContent xmlns:mc="http://schemas.openxmlformats.org/markup-compatibility/2006">
-    <mc:Choice xmlns:p159="http://schemas.microsoft.com/office/powerpoint/2015/09/main" Requires="p159">
+  <mc:AlternateContent xmlns:mc="http://schemas.openxmlformats.org/markup-compatibility/2006" xmlns:p159="http://schemas.microsoft.com/office/powerpoint/2015/09/main">
+    <mc:Choice Requires="p159">
       <p:transition xmlns:p14="http://schemas.microsoft.com/office/powerpoint/2010/main" spd="med" p14:dur="700">
         <p159:morph option="byObject"/>
       </p:transition>
     </mc:Choice>
-    <mc:Fallback>
+    <mc:Fallback xmlns="">
       <p:transition spd="med">
         <p:fade/>
       </p:transition>
@@ -7875,13 +7875,13 @@
   <p:clrMapOvr>
     <a:masterClrMapping/>
   </p:clrMapOvr>
-  <mc:AlternateContent xmlns:mc="http://schemas.openxmlformats.org/markup-compatibility/2006">
-    <mc:Choice xmlns:p159="http://schemas.microsoft.com/office/powerpoint/2015/09/main" Requires="p159">
+  <mc:AlternateContent xmlns:mc="http://schemas.openxmlformats.org/markup-compatibility/2006" xmlns:p159="http://schemas.microsoft.com/office/powerpoint/2015/09/main">
+    <mc:Choice Requires="p159">
       <p:transition xmlns:p14="http://schemas.microsoft.com/office/powerpoint/2010/main" spd="med" p14:dur="700">
         <p159:morph option="byObject"/>
       </p:transition>
     </mc:Choice>
-    <mc:Fallback>
+    <mc:Fallback xmlns="">
       <p:transition spd="med">
         <p:fade/>
       </p:transition>
@@ -8067,13 +8067,13 @@
   <p:clrMapOvr>
     <a:masterClrMapping/>
   </p:clrMapOvr>
-  <mc:AlternateContent xmlns:mc="http://schemas.openxmlformats.org/markup-compatibility/2006">
-    <mc:Choice xmlns:p159="http://schemas.microsoft.com/office/powerpoint/2015/09/main" Requires="p159">
+  <mc:AlternateContent xmlns:mc="http://schemas.openxmlformats.org/markup-compatibility/2006" xmlns:p159="http://schemas.microsoft.com/office/powerpoint/2015/09/main">
+    <mc:Choice Requires="p159">
       <p:transition xmlns:p14="http://schemas.microsoft.com/office/powerpoint/2010/main" spd="med" p14:dur="700">
         <p159:morph option="byObject"/>
       </p:transition>
     </mc:Choice>
-    <mc:Fallback>
+    <mc:Fallback xmlns="">
       <p:transition spd="med">
         <p:fade/>
       </p:transition>
@@ -9008,13 +9008,13 @@
   <p:clrMapOvr>
     <a:masterClrMapping/>
   </p:clrMapOvr>
-  <mc:AlternateContent xmlns:mc="http://schemas.openxmlformats.org/markup-compatibility/2006">
-    <mc:Choice xmlns:p159="http://schemas.microsoft.com/office/powerpoint/2015/09/main" Requires="p159">
+  <mc:AlternateContent xmlns:mc="http://schemas.openxmlformats.org/markup-compatibility/2006" xmlns:p159="http://schemas.microsoft.com/office/powerpoint/2015/09/main">
+    <mc:Choice Requires="p159">
       <p:transition xmlns:p14="http://schemas.microsoft.com/office/powerpoint/2010/main" spd="med" p14:dur="700">
         <p159:morph option="byObject"/>
       </p:transition>
     </mc:Choice>
-    <mc:Fallback>
+    <mc:Fallback xmlns="">
       <p:transition spd="med">
         <p:fade/>
       </p:transition>
@@ -9649,13 +9649,13 @@
   <p:clrMapOvr>
     <a:masterClrMapping/>
   </p:clrMapOvr>
-  <mc:AlternateContent xmlns:mc="http://schemas.openxmlformats.org/markup-compatibility/2006">
-    <mc:Choice xmlns:p159="http://schemas.microsoft.com/office/powerpoint/2015/09/main" Requires="p159">
+  <mc:AlternateContent xmlns:mc="http://schemas.openxmlformats.org/markup-compatibility/2006" xmlns:p159="http://schemas.microsoft.com/office/powerpoint/2015/09/main">
+    <mc:Choice Requires="p159">
       <p:transition xmlns:p14="http://schemas.microsoft.com/office/powerpoint/2010/main" spd="med" p14:dur="700">
         <p159:morph option="byObject"/>
       </p:transition>
     </mc:Choice>
-    <mc:Fallback>
+    <mc:Fallback xmlns="">
       <p:transition spd="med">
         <p:fade/>
       </p:transition>
@@ -10578,13 +10578,13 @@
   <p:clrMapOvr>
     <a:masterClrMapping/>
   </p:clrMapOvr>
-  <mc:AlternateContent xmlns:mc="http://schemas.openxmlformats.org/markup-compatibility/2006">
-    <mc:Choice xmlns:p159="http://schemas.microsoft.com/office/powerpoint/2015/09/main" Requires="p159">
+  <mc:AlternateContent xmlns:mc="http://schemas.openxmlformats.org/markup-compatibility/2006" xmlns:p159="http://schemas.microsoft.com/office/powerpoint/2015/09/main">
+    <mc:Choice Requires="p159">
       <p:transition xmlns:p14="http://schemas.microsoft.com/office/powerpoint/2010/main" spd="med" p14:dur="700">
         <p159:morph option="byObject"/>
       </p:transition>
     </mc:Choice>
-    <mc:Fallback>
+    <mc:Fallback xmlns="">
       <p:transition spd="med">
         <p:fade/>
       </p:transition>
@@ -11158,13 +11158,13 @@
   <p:clrMapOvr>
     <a:masterClrMapping/>
   </p:clrMapOvr>
-  <mc:AlternateContent xmlns:mc="http://schemas.openxmlformats.org/markup-compatibility/2006">
-    <mc:Choice xmlns:p159="http://schemas.microsoft.com/office/powerpoint/2015/09/main" Requires="p159">
+  <mc:AlternateContent xmlns:mc="http://schemas.openxmlformats.org/markup-compatibility/2006" xmlns:p159="http://schemas.microsoft.com/office/powerpoint/2015/09/main">
+    <mc:Choice Requires="p159">
       <p:transition xmlns:p14="http://schemas.microsoft.com/office/powerpoint/2010/main" spd="med" p14:dur="700">
         <p159:morph option="byObject"/>
       </p:transition>
     </mc:Choice>
-    <mc:Fallback>
+    <mc:Fallback xmlns="">
       <p:transition spd="med">
         <p:fade/>
       </p:transition>
@@ -11988,11 +11988,18 @@
               <a:buChar char="•"/>
             </a:pPr>
             <a:r>
+              <a:rPr lang="ar-EG" sz="2200" dirty="0">
+                <a:latin typeface="Calibri" panose="020F0502020204030204" pitchFamily="34" charset="0"/>
+                <a:cs typeface="Calibri" panose="020F0502020204030204" pitchFamily="34" charset="0"/>
+              </a:rPr>
+              <a:t> </a:t>
+            </a:r>
+            <a:r>
               <a:rPr lang="en-US" sz="2200" dirty="0">
                 <a:latin typeface="Calibri" panose="020F0502020204030204" pitchFamily="34" charset="0"/>
                 <a:cs typeface="Calibri" panose="020F0502020204030204" pitchFamily="34" charset="0"/>
               </a:rPr>
-              <a:t>a meta data contains pointer to the next block</a:t>
+              <a:t>pointer to next block</a:t>
             </a:r>
           </a:p>
           <a:p>
@@ -12116,13 +12123,13 @@
   <p:clrMapOvr>
     <a:masterClrMapping/>
   </p:clrMapOvr>
-  <mc:AlternateContent xmlns:mc="http://schemas.openxmlformats.org/markup-compatibility/2006">
-    <mc:Choice xmlns:p159="http://schemas.microsoft.com/office/powerpoint/2015/09/main" Requires="p159">
+  <mc:AlternateContent xmlns:mc="http://schemas.openxmlformats.org/markup-compatibility/2006" xmlns:p159="http://schemas.microsoft.com/office/powerpoint/2015/09/main">
+    <mc:Choice Requires="p159">
       <p:transition xmlns:p14="http://schemas.microsoft.com/office/powerpoint/2010/main" spd="med" p14:dur="700">
         <p159:morph option="byObject"/>
       </p:transition>
     </mc:Choice>
-    <mc:Fallback>
+    <mc:Fallback xmlns="">
       <p:transition spd="med">
         <p:fade/>
       </p:transition>
@@ -12655,6 +12662,97 @@
                                               <p:pRg st="5" end="5"/>
                                             </p:txEl>
                                           </p:spTgt>
+                                        </p:tgtEl>
+                                        <p:attrNameLst>
+                                          <p:attrName>ppt_y</p:attrName>
+                                        </p:attrNameLst>
+                                      </p:cBhvr>
+                                      <p:tavLst>
+                                        <p:tav tm="0">
+                                          <p:val>
+                                            <p:strVal val="1+#ppt_h/2"/>
+                                          </p:val>
+                                        </p:tav>
+                                        <p:tav tm="100000">
+                                          <p:val>
+                                            <p:strVal val="#ppt_y"/>
+                                          </p:val>
+                                        </p:tav>
+                                      </p:tavLst>
+                                    </p:anim>
+                                  </p:childTnLst>
+                                </p:cTn>
+                              </p:par>
+                            </p:childTnLst>
+                          </p:cTn>
+                        </p:par>
+                      </p:childTnLst>
+                    </p:cTn>
+                  </p:par>
+                  <p:par>
+                    <p:cTn id="31" fill="hold">
+                      <p:stCondLst>
+                        <p:cond delay="indefinite"/>
+                      </p:stCondLst>
+                      <p:childTnLst>
+                        <p:par>
+                          <p:cTn id="32" fill="hold">
+                            <p:stCondLst>
+                              <p:cond delay="0"/>
+                            </p:stCondLst>
+                            <p:childTnLst>
+                              <p:par>
+                                <p:cTn id="33" presetID="2" presetClass="entr" presetSubtype="4" fill="hold" nodeType="clickEffect">
+                                  <p:stCondLst>
+                                    <p:cond delay="0"/>
+                                  </p:stCondLst>
+                                  <p:childTnLst>
+                                    <p:set>
+                                      <p:cBhvr>
+                                        <p:cTn id="34" dur="1" fill="hold">
+                                          <p:stCondLst>
+                                            <p:cond delay="0"/>
+                                          </p:stCondLst>
+                                        </p:cTn>
+                                        <p:tgtEl>
+                                          <p:spTgt spid="8"/>
+                                        </p:tgtEl>
+                                        <p:attrNameLst>
+                                          <p:attrName>style.visibility</p:attrName>
+                                        </p:attrNameLst>
+                                      </p:cBhvr>
+                                      <p:to>
+                                        <p:strVal val="visible"/>
+                                      </p:to>
+                                    </p:set>
+                                    <p:anim calcmode="lin" valueType="num">
+                                      <p:cBhvr additive="base">
+                                        <p:cTn id="35" dur="500" fill="hold"/>
+                                        <p:tgtEl>
+                                          <p:spTgt spid="8"/>
+                                        </p:tgtEl>
+                                        <p:attrNameLst>
+                                          <p:attrName>ppt_x</p:attrName>
+                                        </p:attrNameLst>
+                                      </p:cBhvr>
+                                      <p:tavLst>
+                                        <p:tav tm="0">
+                                          <p:val>
+                                            <p:strVal val="#ppt_x"/>
+                                          </p:val>
+                                        </p:tav>
+                                        <p:tav tm="100000">
+                                          <p:val>
+                                            <p:strVal val="#ppt_x"/>
+                                          </p:val>
+                                        </p:tav>
+                                      </p:tavLst>
+                                    </p:anim>
+                                    <p:anim calcmode="lin" valueType="num">
+                                      <p:cBhvr additive="base">
+                                        <p:cTn id="36" dur="500" fill="hold"/>
+                                        <p:tgtEl>
+                                          <p:spTgt spid="8"/>
                                         </p:tgtEl>
                                         <p:attrNameLst>
                                           <p:attrName>ppt_y</p:attrName>
@@ -13048,13 +13146,13 @@
   <p:clrMapOvr>
     <a:masterClrMapping/>
   </p:clrMapOvr>
-  <mc:AlternateContent xmlns:mc="http://schemas.openxmlformats.org/markup-compatibility/2006">
-    <mc:Choice xmlns:p159="http://schemas.microsoft.com/office/powerpoint/2015/09/main" Requires="p159">
+  <mc:AlternateContent xmlns:mc="http://schemas.openxmlformats.org/markup-compatibility/2006" xmlns:p159="http://schemas.microsoft.com/office/powerpoint/2015/09/main">
+    <mc:Choice Requires="p159">
       <p:transition xmlns:p14="http://schemas.microsoft.com/office/powerpoint/2010/main" spd="med" p14:dur="700">
         <p159:morph option="byObject"/>
       </p:transition>
     </mc:Choice>
-    <mc:Fallback>
+    <mc:Fallback xmlns="">
       <p:transition spd="med">
         <p:fade/>
       </p:transition>
@@ -13263,13 +13361,13 @@
   <p:clrMapOvr>
     <a:masterClrMapping/>
   </p:clrMapOvr>
-  <mc:AlternateContent xmlns:mc="http://schemas.openxmlformats.org/markup-compatibility/2006">
-    <mc:Choice xmlns:p159="http://schemas.microsoft.com/office/powerpoint/2015/09/main" Requires="p159">
+  <mc:AlternateContent xmlns:mc="http://schemas.openxmlformats.org/markup-compatibility/2006" xmlns:p159="http://schemas.microsoft.com/office/powerpoint/2015/09/main">
+    <mc:Choice Requires="p159">
       <p:transition xmlns:p14="http://schemas.microsoft.com/office/powerpoint/2010/main" spd="med" p14:dur="700">
         <p159:morph option="byObject"/>
       </p:transition>
     </mc:Choice>
-    <mc:Fallback>
+    <mc:Fallback xmlns="">
       <p:transition spd="med">
         <p:fade/>
       </p:transition>
@@ -14128,13 +14226,13 @@
   <p:clrMapOvr>
     <a:masterClrMapping/>
   </p:clrMapOvr>
-  <mc:AlternateContent xmlns:mc="http://schemas.openxmlformats.org/markup-compatibility/2006">
-    <mc:Choice xmlns:p159="http://schemas.microsoft.com/office/powerpoint/2015/09/main" Requires="p159">
+  <mc:AlternateContent xmlns:mc="http://schemas.openxmlformats.org/markup-compatibility/2006" xmlns:p159="http://schemas.microsoft.com/office/powerpoint/2015/09/main">
+    <mc:Choice Requires="p159">
       <p:transition xmlns:p14="http://schemas.microsoft.com/office/powerpoint/2010/main" spd="med" p14:dur="700">
         <p159:morph option="byObject"/>
       </p:transition>
     </mc:Choice>
-    <mc:Fallback>
+    <mc:Fallback xmlns="">
       <p:transition spd="med">
         <p:fade/>
       </p:transition>
@@ -14365,13 +14463,13 @@
   <p:clrMapOvr>
     <a:masterClrMapping/>
   </p:clrMapOvr>
-  <mc:AlternateContent xmlns:mc="http://schemas.openxmlformats.org/markup-compatibility/2006">
-    <mc:Choice xmlns:p159="http://schemas.microsoft.com/office/powerpoint/2015/09/main" Requires="p159">
+  <mc:AlternateContent xmlns:mc="http://schemas.openxmlformats.org/markup-compatibility/2006" xmlns:p159="http://schemas.microsoft.com/office/powerpoint/2015/09/main">
+    <mc:Choice Requires="p159">
       <p:transition xmlns:p14="http://schemas.microsoft.com/office/powerpoint/2010/main" spd="med" p14:dur="700">
         <p159:morph option="byObject"/>
       </p:transition>
     </mc:Choice>
-    <mc:Fallback>
+    <mc:Fallback xmlns="">
       <p:transition spd="med">
         <p:fade/>
       </p:transition>
@@ -15473,13 +15571,13 @@
   <p:clrMapOvr>
     <a:masterClrMapping/>
   </p:clrMapOvr>
-  <mc:AlternateContent xmlns:mc="http://schemas.openxmlformats.org/markup-compatibility/2006">
-    <mc:Choice xmlns:p159="http://schemas.microsoft.com/office/powerpoint/2015/09/main" Requires="p159">
+  <mc:AlternateContent xmlns:mc="http://schemas.openxmlformats.org/markup-compatibility/2006" xmlns:p159="http://schemas.microsoft.com/office/powerpoint/2015/09/main">
+    <mc:Choice Requires="p159">
       <p:transition xmlns:p14="http://schemas.microsoft.com/office/powerpoint/2010/main" spd="med" p14:dur="700">
         <p159:morph option="byObject"/>
       </p:transition>
     </mc:Choice>
-    <mc:Fallback>
+    <mc:Fallback xmlns="">
       <p:transition spd="med">
         <p:fade/>
       </p:transition>
@@ -16367,13 +16465,13 @@
   <p:clrMapOvr>
     <a:masterClrMapping/>
   </p:clrMapOvr>
-  <mc:AlternateContent xmlns:mc="http://schemas.openxmlformats.org/markup-compatibility/2006">
-    <mc:Choice xmlns:p159="http://schemas.microsoft.com/office/powerpoint/2015/09/main" Requires="p159">
+  <mc:AlternateContent xmlns:mc="http://schemas.openxmlformats.org/markup-compatibility/2006" xmlns:p159="http://schemas.microsoft.com/office/powerpoint/2015/09/main">
+    <mc:Choice Requires="p159">
       <p:transition xmlns:p14="http://schemas.microsoft.com/office/powerpoint/2010/main" spd="med" p14:dur="700">
         <p159:morph option="byObject"/>
       </p:transition>
     </mc:Choice>
-    <mc:Fallback>
+    <mc:Fallback xmlns="">
       <p:transition spd="med">
         <p:fade/>
       </p:transition>
@@ -16713,13 +16811,13 @@
   <p:clrMapOvr>
     <a:masterClrMapping/>
   </p:clrMapOvr>
-  <mc:AlternateContent xmlns:mc="http://schemas.openxmlformats.org/markup-compatibility/2006">
-    <mc:Choice xmlns:p159="http://schemas.microsoft.com/office/powerpoint/2015/09/main" Requires="p159">
+  <mc:AlternateContent xmlns:mc="http://schemas.openxmlformats.org/markup-compatibility/2006" xmlns:p159="http://schemas.microsoft.com/office/powerpoint/2015/09/main">
+    <mc:Choice Requires="p159">
       <p:transition xmlns:p14="http://schemas.microsoft.com/office/powerpoint/2010/main" spd="med" p14:dur="700">
         <p159:morph option="byObject"/>
       </p:transition>
     </mc:Choice>
-    <mc:Fallback>
+    <mc:Fallback xmlns="">
       <p:transition spd="med">
         <p:fade/>
       </p:transition>
@@ -17064,13 +17162,13 @@
   <p:clrMapOvr>
     <a:masterClrMapping/>
   </p:clrMapOvr>
-  <mc:AlternateContent xmlns:mc="http://schemas.openxmlformats.org/markup-compatibility/2006">
-    <mc:Choice xmlns:p159="http://schemas.microsoft.com/office/powerpoint/2015/09/main" Requires="p159">
+  <mc:AlternateContent xmlns:mc="http://schemas.openxmlformats.org/markup-compatibility/2006" xmlns:p159="http://schemas.microsoft.com/office/powerpoint/2015/09/main">
+    <mc:Choice Requires="p159">
       <p:transition xmlns:p14="http://schemas.microsoft.com/office/powerpoint/2010/main" spd="med" p14:dur="700">
         <p159:morph option="byObject"/>
       </p:transition>
     </mc:Choice>
-    <mc:Fallback>
+    <mc:Fallback xmlns="">
       <p:transition spd="med">
         <p:fade/>
       </p:transition>
@@ -17420,13 +17518,13 @@
   <p:clrMapOvr>
     <a:masterClrMapping/>
   </p:clrMapOvr>
-  <mc:AlternateContent xmlns:mc="http://schemas.openxmlformats.org/markup-compatibility/2006">
-    <mc:Choice xmlns:p159="http://schemas.microsoft.com/office/powerpoint/2015/09/main" Requires="p159">
+  <mc:AlternateContent xmlns:mc="http://schemas.openxmlformats.org/markup-compatibility/2006" xmlns:p159="http://schemas.microsoft.com/office/powerpoint/2015/09/main">
+    <mc:Choice Requires="p159">
       <p:transition xmlns:p14="http://schemas.microsoft.com/office/powerpoint/2010/main" spd="med" p14:dur="700">
         <p159:morph option="byObject"/>
       </p:transition>
     </mc:Choice>
-    <mc:Fallback>
+    <mc:Fallback xmlns="">
       <p:transition spd="med">
         <p:fade/>
       </p:transition>
@@ -17872,13 +17970,13 @@
   <p:clrMapOvr>
     <a:masterClrMapping/>
   </p:clrMapOvr>
-  <mc:AlternateContent xmlns:mc="http://schemas.openxmlformats.org/markup-compatibility/2006">
-    <mc:Choice xmlns:p159="http://schemas.microsoft.com/office/powerpoint/2015/09/main" Requires="p159">
+  <mc:AlternateContent xmlns:mc="http://schemas.openxmlformats.org/markup-compatibility/2006" xmlns:p159="http://schemas.microsoft.com/office/powerpoint/2015/09/main">
+    <mc:Choice Requires="p159">
       <p:transition xmlns:p14="http://schemas.microsoft.com/office/powerpoint/2010/main" spd="med" p14:dur="700">
         <p159:morph option="byObject"/>
       </p:transition>
     </mc:Choice>
-    <mc:Fallback>
+    <mc:Fallback xmlns="">
       <p:transition spd="med">
         <p:fade/>
       </p:transition>
@@ -19452,13 +19550,13 @@
   <p:clrMapOvr>
     <a:masterClrMapping/>
   </p:clrMapOvr>
-  <mc:AlternateContent xmlns:mc="http://schemas.openxmlformats.org/markup-compatibility/2006">
-    <mc:Choice xmlns:p159="http://schemas.microsoft.com/office/powerpoint/2015/09/main" Requires="p159">
+  <mc:AlternateContent xmlns:mc="http://schemas.openxmlformats.org/markup-compatibility/2006" xmlns:p159="http://schemas.microsoft.com/office/powerpoint/2015/09/main">
+    <mc:Choice Requires="p159">
       <p:transition xmlns:p14="http://schemas.microsoft.com/office/powerpoint/2010/main" spd="med" p14:dur="700">
         <p159:morph option="byObject"/>
       </p:transition>
     </mc:Choice>
-    <mc:Fallback>
+    <mc:Fallback xmlns="">
       <p:transition spd="med">
         <p:fade/>
       </p:transition>
@@ -20581,13 +20679,13 @@
   <p:clrMapOvr>
     <a:masterClrMapping/>
   </p:clrMapOvr>
-  <mc:AlternateContent xmlns:mc="http://schemas.openxmlformats.org/markup-compatibility/2006">
-    <mc:Choice xmlns:p159="http://schemas.microsoft.com/office/powerpoint/2015/09/main" Requires="p159">
+  <mc:AlternateContent xmlns:mc="http://schemas.openxmlformats.org/markup-compatibility/2006" xmlns:p159="http://schemas.microsoft.com/office/powerpoint/2015/09/main">
+    <mc:Choice Requires="p159">
       <p:transition xmlns:p14="http://schemas.microsoft.com/office/powerpoint/2010/main" spd="med" p14:dur="700">
         <p159:morph option="byObject"/>
       </p:transition>
     </mc:Choice>
-    <mc:Fallback>
+    <mc:Fallback xmlns="">
       <p:transition spd="med">
         <p:fade/>
       </p:transition>
@@ -21451,13 +21549,13 @@
   <p:clrMapOvr>
     <a:masterClrMapping/>
   </p:clrMapOvr>
-  <mc:AlternateContent xmlns:mc="http://schemas.openxmlformats.org/markup-compatibility/2006">
-    <mc:Choice xmlns:p159="http://schemas.microsoft.com/office/powerpoint/2015/09/main" Requires="p159">
+  <mc:AlternateContent xmlns:mc="http://schemas.openxmlformats.org/markup-compatibility/2006" xmlns:p159="http://schemas.microsoft.com/office/powerpoint/2015/09/main">
+    <mc:Choice Requires="p159">
       <p:transition xmlns:p14="http://schemas.microsoft.com/office/powerpoint/2010/main" spd="med" p14:dur="700">
         <p159:morph option="byObject"/>
       </p:transition>
     </mc:Choice>
-    <mc:Fallback>
+    <mc:Fallback xmlns="">
       <p:transition spd="med">
         <p:fade/>
       </p:transition>
@@ -22199,13 +22297,13 @@
   <p:clrMapOvr>
     <a:masterClrMapping/>
   </p:clrMapOvr>
-  <mc:AlternateContent xmlns:mc="http://schemas.openxmlformats.org/markup-compatibility/2006">
-    <mc:Choice xmlns:p159="http://schemas.microsoft.com/office/powerpoint/2015/09/main" Requires="p159">
+  <mc:AlternateContent xmlns:mc="http://schemas.openxmlformats.org/markup-compatibility/2006" xmlns:p159="http://schemas.microsoft.com/office/powerpoint/2015/09/main">
+    <mc:Choice Requires="p159">
       <p:transition xmlns:p14="http://schemas.microsoft.com/office/powerpoint/2010/main" spd="med" p14:dur="700">
         <p159:morph option="byObject"/>
       </p:transition>
     </mc:Choice>
-    <mc:Fallback>
+    <mc:Fallback xmlns="">
       <p:transition spd="med">
         <p:fade/>
       </p:transition>
@@ -23064,13 +23162,13 @@
   <p:clrMapOvr>
     <a:masterClrMapping/>
   </p:clrMapOvr>
-  <mc:AlternateContent xmlns:mc="http://schemas.openxmlformats.org/markup-compatibility/2006">
-    <mc:Choice xmlns:p159="http://schemas.microsoft.com/office/powerpoint/2015/09/main" Requires="p159">
+  <mc:AlternateContent xmlns:mc="http://schemas.openxmlformats.org/markup-compatibility/2006" xmlns:p159="http://schemas.microsoft.com/office/powerpoint/2015/09/main">
+    <mc:Choice Requires="p159">
       <p:transition xmlns:p14="http://schemas.microsoft.com/office/powerpoint/2010/main" spd="med" p14:dur="700">
         <p159:morph option="byObject"/>
       </p:transition>
     </mc:Choice>
-    <mc:Fallback>
+    <mc:Fallback xmlns="">
       <p:transition spd="med">
         <p:fade/>
       </p:transition>
@@ -23250,13 +23348,13 @@
   <p:clrMapOvr>
     <a:masterClrMapping/>
   </p:clrMapOvr>
-  <mc:AlternateContent xmlns:mc="http://schemas.openxmlformats.org/markup-compatibility/2006">
-    <mc:Choice xmlns:p159="http://schemas.microsoft.com/office/powerpoint/2015/09/main" Requires="p159">
+  <mc:AlternateContent xmlns:mc="http://schemas.openxmlformats.org/markup-compatibility/2006" xmlns:p159="http://schemas.microsoft.com/office/powerpoint/2015/09/main">
+    <mc:Choice Requires="p159">
       <p:transition xmlns:p14="http://schemas.microsoft.com/office/powerpoint/2010/main" spd="med" p14:dur="700">
         <p159:morph option="byObject"/>
       </p:transition>
     </mc:Choice>
-    <mc:Fallback>
+    <mc:Fallback xmlns="">
       <p:transition spd="med">
         <p:fade/>
       </p:transition>
